--- a/docs/diagrams/ListSequenceDiagram2.pptx
+++ b/docs/diagrams/ListSequenceDiagram2.pptx
@@ -208,7 +208,7 @@
           <a:p>
             <a:fld id="{F5CC4B3F-88C1-4FFA-B1B6-F41C21DC6924}" type="datetimeFigureOut">
               <a:rPr lang="en-US" smtClean="0"/>
-              <a:t>11/11/18</a:t>
+              <a:t>11/12/18</a:t>
             </a:fld>
             <a:endParaRPr lang="en-US"/>
           </a:p>
@@ -654,7 +654,7 @@
           <a:p>
             <a:fld id="{78C97017-6FC3-485B-9764-EAC9E56C1D49}" type="datetimeFigureOut">
               <a:rPr lang="en-US" smtClean="0"/>
-              <a:t>11/11/18</a:t>
+              <a:t>11/12/18</a:t>
             </a:fld>
             <a:endParaRPr lang="en-US"/>
           </a:p>
@@ -822,7 +822,7 @@
           <a:p>
             <a:fld id="{78C97017-6FC3-485B-9764-EAC9E56C1D49}" type="datetimeFigureOut">
               <a:rPr lang="en-US" smtClean="0"/>
-              <a:t>11/11/18</a:t>
+              <a:t>11/12/18</a:t>
             </a:fld>
             <a:endParaRPr lang="en-US"/>
           </a:p>
@@ -1000,7 +1000,7 @@
           <a:p>
             <a:fld id="{78C97017-6FC3-485B-9764-EAC9E56C1D49}" type="datetimeFigureOut">
               <a:rPr lang="en-US" smtClean="0"/>
-              <a:t>11/11/18</a:t>
+              <a:t>11/12/18</a:t>
             </a:fld>
             <a:endParaRPr lang="en-US"/>
           </a:p>
@@ -1168,7 +1168,7 @@
           <a:p>
             <a:fld id="{78C97017-6FC3-485B-9764-EAC9E56C1D49}" type="datetimeFigureOut">
               <a:rPr lang="en-US" smtClean="0"/>
-              <a:t>11/11/18</a:t>
+              <a:t>11/12/18</a:t>
             </a:fld>
             <a:endParaRPr lang="en-US"/>
           </a:p>
@@ -1413,7 +1413,7 @@
           <a:p>
             <a:fld id="{78C97017-6FC3-485B-9764-EAC9E56C1D49}" type="datetimeFigureOut">
               <a:rPr lang="en-US" smtClean="0"/>
-              <a:t>11/11/18</a:t>
+              <a:t>11/12/18</a:t>
             </a:fld>
             <a:endParaRPr lang="en-US"/>
           </a:p>
@@ -1698,7 +1698,7 @@
           <a:p>
             <a:fld id="{78C97017-6FC3-485B-9764-EAC9E56C1D49}" type="datetimeFigureOut">
               <a:rPr lang="en-US" smtClean="0"/>
-              <a:t>11/11/18</a:t>
+              <a:t>11/12/18</a:t>
             </a:fld>
             <a:endParaRPr lang="en-US"/>
           </a:p>
@@ -2117,7 +2117,7 @@
           <a:p>
             <a:fld id="{78C97017-6FC3-485B-9764-EAC9E56C1D49}" type="datetimeFigureOut">
               <a:rPr lang="en-US" smtClean="0"/>
-              <a:t>11/11/18</a:t>
+              <a:t>11/12/18</a:t>
             </a:fld>
             <a:endParaRPr lang="en-US"/>
           </a:p>
@@ -2234,7 +2234,7 @@
           <a:p>
             <a:fld id="{78C97017-6FC3-485B-9764-EAC9E56C1D49}" type="datetimeFigureOut">
               <a:rPr lang="en-US" smtClean="0"/>
-              <a:t>11/11/18</a:t>
+              <a:t>11/12/18</a:t>
             </a:fld>
             <a:endParaRPr lang="en-US"/>
           </a:p>
@@ -2329,7 +2329,7 @@
           <a:p>
             <a:fld id="{78C97017-6FC3-485B-9764-EAC9E56C1D49}" type="datetimeFigureOut">
               <a:rPr lang="en-US" smtClean="0"/>
-              <a:t>11/11/18</a:t>
+              <a:t>11/12/18</a:t>
             </a:fld>
             <a:endParaRPr lang="en-US"/>
           </a:p>
@@ -2604,7 +2604,7 @@
           <a:p>
             <a:fld id="{78C97017-6FC3-485B-9764-EAC9E56C1D49}" type="datetimeFigureOut">
               <a:rPr lang="en-US" smtClean="0"/>
-              <a:t>11/11/18</a:t>
+              <a:t>11/12/18</a:t>
             </a:fld>
             <a:endParaRPr lang="en-US"/>
           </a:p>
@@ -2856,7 +2856,7 @@
           <a:p>
             <a:fld id="{78C97017-6FC3-485B-9764-EAC9E56C1D49}" type="datetimeFigureOut">
               <a:rPr lang="en-US" smtClean="0"/>
-              <a:t>11/11/18</a:t>
+              <a:t>11/12/18</a:t>
             </a:fld>
             <a:endParaRPr lang="en-US"/>
           </a:p>
@@ -3067,7 +3067,7 @@
           <a:p>
             <a:fld id="{78C97017-6FC3-485B-9764-EAC9E56C1D49}" type="datetimeFigureOut">
               <a:rPr lang="en-US" smtClean="0"/>
-              <a:t>11/11/18</a:t>
+              <a:t>11/12/18</a:t>
             </a:fld>
             <a:endParaRPr lang="en-US"/>
           </a:p>
@@ -3451,7 +3451,7 @@
         <p:spPr>
           <a:xfrm>
             <a:off x="6459374" y="118895"/>
-            <a:ext cx="3903825" cy="4400926"/>
+            <a:ext cx="4437226" cy="4400926"/>
           </a:xfrm>
           <a:prstGeom prst="roundRect">
             <a:avLst>
@@ -4009,8 +4009,8 @@
         </p:nvSpPr>
         <p:spPr>
           <a:xfrm>
-            <a:off x="38100" y="990600"/>
-            <a:ext cx="1424846" cy="215444"/>
+            <a:off x="-228600" y="1003756"/>
+            <a:ext cx="1691546" cy="215444"/>
           </a:xfrm>
           <a:prstGeom prst="rect">
             <a:avLst/>
@@ -4030,7 +4030,7 @@
                   <a:srgbClr val="0070C0"/>
                 </a:solidFill>
               </a:rPr>
-              <a:t>execute(“… list …”)</a:t>
+              <a:t>execute(“…list…”)</a:t>
             </a:r>
           </a:p>
         </p:txBody>
@@ -4282,8 +4282,8 @@
         </p:nvSpPr>
         <p:spPr>
           <a:xfrm>
-            <a:off x="5615030" y="2724655"/>
-            <a:ext cx="2173143" cy="215444"/>
+            <a:off x="5497595" y="2709141"/>
+            <a:ext cx="2503405" cy="215444"/>
           </a:xfrm>
           <a:prstGeom prst="rect">
             <a:avLst/>
@@ -4370,7 +4370,7 @@
             </a:r>
             <a:r>
               <a:rPr lang="en-US" dirty="0"/>
-              <a:t>(“… list …”)</a:t>
+              <a:t>(“…list…”)</a:t>
             </a:r>
           </a:p>
         </p:txBody>
@@ -4503,7 +4503,7 @@
         </p:nvSpPr>
         <p:spPr>
           <a:xfrm>
-            <a:off x="7387964" y="2362200"/>
+            <a:off x="7818188" y="2362200"/>
             <a:ext cx="841636" cy="300180"/>
           </a:xfrm>
           <a:prstGeom prst="rect">
@@ -4564,7 +4564,7 @@
         </p:nvCxnSpPr>
         <p:spPr>
           <a:xfrm flipH="1">
-            <a:off x="7824690" y="2653306"/>
+            <a:off x="8254914" y="2653306"/>
             <a:ext cx="3959" cy="1735710"/>
           </a:xfrm>
           <a:prstGeom prst="line">
@@ -4601,7 +4601,7 @@
         </p:nvSpPr>
         <p:spPr>
           <a:xfrm>
-            <a:off x="7725726" y="2958106"/>
+            <a:off x="8155950" y="2958106"/>
             <a:ext cx="168896" cy="775693"/>
           </a:xfrm>
           <a:prstGeom prst="rect">
@@ -4651,7 +4651,7 @@
         <p:spPr>
           <a:xfrm>
             <a:off x="5685755" y="2975344"/>
-            <a:ext cx="2039971" cy="0"/>
+            <a:ext cx="2470195" cy="9614"/>
           </a:xfrm>
           <a:prstGeom prst="straightConnector1">
             <a:avLst/>
@@ -4937,7 +4937,7 @@
         <p:spPr>
           <a:xfrm>
             <a:off x="5731284" y="3733799"/>
-            <a:ext cx="2078890" cy="0"/>
+            <a:ext cx="2509114" cy="0"/>
           </a:xfrm>
           <a:prstGeom prst="straightConnector1">
             <a:avLst/>
@@ -4980,7 +4980,7 @@
         </p:nvSpPr>
         <p:spPr>
           <a:xfrm>
-            <a:off x="8691013" y="1998089"/>
+            <a:off x="9121237" y="1998089"/>
             <a:ext cx="1546763" cy="604980"/>
           </a:xfrm>
           <a:prstGeom prst="rect">
@@ -5047,7 +5047,7 @@
         </p:nvCxnSpPr>
         <p:spPr>
           <a:xfrm flipH="1">
-            <a:off x="9494168" y="2546564"/>
+            <a:off x="9924392" y="2546564"/>
             <a:ext cx="3959" cy="1735710"/>
           </a:xfrm>
           <a:prstGeom prst="line">
@@ -5090,7 +5090,7 @@
         </p:nvSpPr>
         <p:spPr>
           <a:xfrm>
-            <a:off x="9395203" y="3200400"/>
+            <a:off x="9825427" y="3200400"/>
             <a:ext cx="198001" cy="426657"/>
           </a:xfrm>
           <a:prstGeom prst="rect">
@@ -5145,7 +5145,7 @@
         </p:nvCxnSpPr>
         <p:spPr>
           <a:xfrm>
-            <a:off x="7894622" y="3200400"/>
+            <a:off x="8324846" y="3200400"/>
             <a:ext cx="1500582" cy="0"/>
           </a:xfrm>
           <a:prstGeom prst="straightConnector1">
@@ -5187,7 +5187,7 @@
         </p:nvSpPr>
         <p:spPr>
           <a:xfrm>
-            <a:off x="7197419" y="2984958"/>
+            <a:off x="7696200" y="2984958"/>
             <a:ext cx="1946581" cy="215444"/>
           </a:xfrm>
           <a:prstGeom prst="rect">
@@ -5252,7 +5252,7 @@
         </p:nvCxnSpPr>
         <p:spPr>
           <a:xfrm>
-            <a:off x="7894622" y="3627057"/>
+            <a:off x="8324846" y="3627057"/>
             <a:ext cx="1500581" cy="0"/>
           </a:xfrm>
           <a:prstGeom prst="straightConnector1">

--- a/docs/diagrams/ListSequenceDiagram2.pptx
+++ b/docs/diagrams/ListSequenceDiagram2.pptx
@@ -3511,8 +3511,8 @@
         </p:nvSpPr>
         <p:spPr>
           <a:xfrm>
-            <a:off x="38100" y="163018"/>
-            <a:ext cx="6293677" cy="4343400"/>
+            <a:off x="645270" y="163018"/>
+            <a:ext cx="5686507" cy="4343400"/>
           </a:xfrm>
           <a:prstGeom prst="roundRect">
             <a:avLst>
